--- a/meetings/2019_12_12_midterm/midterm_felix.pptx
+++ b/meetings/2019_12_12_midterm/midterm_felix.pptx
@@ -3823,7 +3823,7 @@
             </a:pPr>
             <a:r>
               <a:rPr lang="en-US" dirty="0"/>
-              <a:t>History and Architecture and Net</a:t>
+              <a:t>History and Architecture</a:t>
             </a:r>
           </a:p>
           <a:p>
@@ -4084,7 +4084,7 @@
             </a:pPr>
             <a:r>
               <a:rPr lang="en-US" dirty="0"/>
-              <a:t>History and Architecture and Net</a:t>
+              <a:t>History and Architecture</a:t>
             </a:r>
           </a:p>
         </p:txBody>

--- a/meetings/2019_12_12_midterm/midterm_felix.pptx
+++ b/meetings/2019_12_12_midterm/midterm_felix.pptx
@@ -5,20 +5,22 @@
     <p:sldMasterId id="2147483648" r:id="rId1"/>
   </p:sldMasterIdLst>
   <p:notesMasterIdLst>
-    <p:notesMasterId r:id="rId10"/>
+    <p:notesMasterId r:id="rId13"/>
   </p:notesMasterIdLst>
   <p:handoutMasterIdLst>
-    <p:handoutMasterId r:id="rId11"/>
+    <p:handoutMasterId r:id="rId14"/>
   </p:handoutMasterIdLst>
   <p:sldIdLst>
-    <p:sldId id="256" r:id="rId2"/>
-    <p:sldId id="257" r:id="rId3"/>
-    <p:sldId id="258" r:id="rId4"/>
-    <p:sldId id="259" r:id="rId5"/>
-    <p:sldId id="260" r:id="rId6"/>
-    <p:sldId id="261" r:id="rId7"/>
-    <p:sldId id="262" r:id="rId8"/>
-    <p:sldId id="263" r:id="rId9"/>
+    <p:sldId id="256" r:id="rId3"/>
+    <p:sldId id="257" r:id="rId4"/>
+    <p:sldId id="258" r:id="rId5"/>
+    <p:sldId id="259" r:id="rId6"/>
+    <p:sldId id="260" r:id="rId7"/>
+    <p:sldId id="261" r:id="rId8"/>
+    <p:sldId id="262" r:id="rId9"/>
+    <p:sldId id="264" r:id="rId10"/>
+    <p:sldId id="266" r:id="rId11"/>
+    <p:sldId id="263" r:id="rId12"/>
   </p:sldIdLst>
   <p:sldSz cx="9144000" cy="6858000" type="screen4x3"/>
   <p:notesSz cx="6858000" cy="9144000"/>
@@ -37,7 +39,7 @@
         <a:solidFill>
           <a:schemeClr val="tx1"/>
         </a:solidFill>
-        <a:latin typeface="Arial" panose="020B0604020202020204" pitchFamily="34" charset="0"/>
+        <a:latin typeface="Arial" panose="020B0604020202090204" pitchFamily="34" charset="0"/>
         <a:ea typeface="+mn-ea"/>
         <a:cs typeface="+mn-cs"/>
       </a:defRPr>
@@ -53,7 +55,7 @@
         <a:solidFill>
           <a:schemeClr val="tx1"/>
         </a:solidFill>
-        <a:latin typeface="Arial" panose="020B0604020202020204" pitchFamily="34" charset="0"/>
+        <a:latin typeface="Arial" panose="020B0604020202090204" pitchFamily="34" charset="0"/>
         <a:ea typeface="+mn-ea"/>
         <a:cs typeface="+mn-cs"/>
       </a:defRPr>
@@ -69,7 +71,7 @@
         <a:solidFill>
           <a:schemeClr val="tx1"/>
         </a:solidFill>
-        <a:latin typeface="Arial" panose="020B0604020202020204" pitchFamily="34" charset="0"/>
+        <a:latin typeface="Arial" panose="020B0604020202090204" pitchFamily="34" charset="0"/>
         <a:ea typeface="+mn-ea"/>
         <a:cs typeface="+mn-cs"/>
       </a:defRPr>
@@ -85,7 +87,7 @@
         <a:solidFill>
           <a:schemeClr val="tx1"/>
         </a:solidFill>
-        <a:latin typeface="Arial" panose="020B0604020202020204" pitchFamily="34" charset="0"/>
+        <a:latin typeface="Arial" panose="020B0604020202090204" pitchFamily="34" charset="0"/>
         <a:ea typeface="+mn-ea"/>
         <a:cs typeface="+mn-cs"/>
       </a:defRPr>
@@ -101,7 +103,7 @@
         <a:solidFill>
           <a:schemeClr val="tx1"/>
         </a:solidFill>
-        <a:latin typeface="Arial" panose="020B0604020202020204" pitchFamily="34" charset="0"/>
+        <a:latin typeface="Arial" panose="020B0604020202090204" pitchFamily="34" charset="0"/>
         <a:ea typeface="+mn-ea"/>
         <a:cs typeface="+mn-cs"/>
       </a:defRPr>
@@ -111,7 +113,7 @@
         <a:solidFill>
           <a:schemeClr val="tx1"/>
         </a:solidFill>
-        <a:latin typeface="Arial" panose="020B0604020202020204" pitchFamily="34" charset="0"/>
+        <a:latin typeface="Arial" panose="020B0604020202090204" pitchFamily="34" charset="0"/>
         <a:ea typeface="+mn-ea"/>
         <a:cs typeface="+mn-cs"/>
       </a:defRPr>
@@ -121,7 +123,7 @@
         <a:solidFill>
           <a:schemeClr val="tx1"/>
         </a:solidFill>
-        <a:latin typeface="Arial" panose="020B0604020202020204" pitchFamily="34" charset="0"/>
+        <a:latin typeface="Arial" panose="020B0604020202090204" pitchFamily="34" charset="0"/>
         <a:ea typeface="+mn-ea"/>
         <a:cs typeface="+mn-cs"/>
       </a:defRPr>
@@ -131,7 +133,7 @@
         <a:solidFill>
           <a:schemeClr val="tx1"/>
         </a:solidFill>
-        <a:latin typeface="Arial" panose="020B0604020202020204" pitchFamily="34" charset="0"/>
+        <a:latin typeface="Arial" panose="020B0604020202090204" pitchFamily="34" charset="0"/>
         <a:ea typeface="+mn-ea"/>
         <a:cs typeface="+mn-cs"/>
       </a:defRPr>
@@ -141,31 +143,12 @@
         <a:solidFill>
           <a:schemeClr val="tx1"/>
         </a:solidFill>
-        <a:latin typeface="Arial" panose="020B0604020202020204" pitchFamily="34" charset="0"/>
+        <a:latin typeface="Arial" panose="020B0604020202090204" pitchFamily="34" charset="0"/>
         <a:ea typeface="+mn-ea"/>
         <a:cs typeface="+mn-cs"/>
       </a:defRPr>
     </a:lvl9pPr>
   </p:defaultTextStyle>
-  <p:extLst>
-    <p:ext uri="{EFAFB233-063F-42B5-8137-9DF3F51BA10A}">
-      <p15:sldGuideLst xmlns:p15="http://schemas.microsoft.com/office/powerpoint/2012/main">
-        <p15:guide id="1" orient="horz" pos="2160">
-          <p15:clr>
-            <a:srgbClr val="A4A3A4"/>
-          </p15:clr>
-        </p15:guide>
-        <p15:guide id="2" pos="2880">
-          <p15:clr>
-            <a:srgbClr val="A4A3A4"/>
-          </p15:clr>
-        </p15:guide>
-      </p15:sldGuideLst>
-    </p:ext>
-    <p:ext uri="{2D200454-40CA-4A62-9FC3-DE9A4176ACB9}">
-      <p15:notesGuideLst xmlns:p15="http://schemas.microsoft.com/office/powerpoint/2012/main"/>
-    </p:ext>
-  </p:extLst>
 </p:presentation>
 </file>
 
@@ -273,7 +256,6 @@
           <a:p>
             <a:fld id="{A32DC80D-291A-4ABB-A78B-0417274A267C}" type="datetime4">
               <a:rPr lang="de-DE"/>
-              <a:t>3. Dezember 2019</a:t>
             </a:fld>
             <a:endParaRPr lang="de-DE"/>
           </a:p>
@@ -318,6 +300,7 @@
               <a:rPr lang="de-DE"/>
               <a:t>|  </a:t>
             </a:r>
+            <a:endParaRPr lang="de-DE"/>
           </a:p>
         </p:txBody>
       </p:sp>
@@ -362,7 +345,6 @@
             </a:r>
             <a:fld id="{C7CC2173-B0D1-45F1-9D54-E33B7353DA19}" type="slidenum">
               <a:rPr lang="de-DE"/>
-              <a:t>‹Nr.›</a:t>
             </a:fld>
             <a:endParaRPr lang="de-DE"/>
           </a:p>
@@ -377,7 +359,7 @@
           <p:nvPr/>
         </p:nvPicPr>
         <p:blipFill>
-          <a:blip r:embed="rId2" cstate="print"/>
+          <a:blip r:embed="rId1" cstate="print"/>
           <a:srcRect/>
           <a:stretch>
             <a:fillRect/>
@@ -566,7 +548,7 @@
           <p:nvPr/>
         </p:nvPicPr>
         <p:blipFill>
-          <a:blip r:embed="rId2"/>
+          <a:blip r:embed="rId1"/>
           <a:srcRect/>
           <a:stretch>
             <a:fillRect/>
@@ -623,7 +605,6 @@
           <a:p>
             <a:fld id="{065B079B-E513-489A-8A1B-D7C78493EA86}" type="datetime4">
               <a:rPr lang="de-DE"/>
-              <a:t>3. Dezember 2019</a:t>
             </a:fld>
             <a:endParaRPr lang="de-DE"/>
           </a:p>
@@ -691,6 +672,7 @@
               <a:rPr lang="de-DE"/>
               <a:t>Textmasterformate durch Klicken bearbeiten</a:t>
             </a:r>
+            <a:endParaRPr lang="de-DE"/>
           </a:p>
           <a:p>
             <a:pPr lvl="1"/>
@@ -698,6 +680,7 @@
               <a:rPr lang="de-DE"/>
               <a:t>Zweite Ebene</a:t>
             </a:r>
+            <a:endParaRPr lang="de-DE"/>
           </a:p>
           <a:p>
             <a:pPr lvl="2"/>
@@ -705,6 +688,7 @@
               <a:rPr lang="de-DE"/>
               <a:t>Dritte Ebene</a:t>
             </a:r>
+            <a:endParaRPr lang="de-DE"/>
           </a:p>
           <a:p>
             <a:pPr lvl="3"/>
@@ -712,6 +696,7 @@
               <a:rPr lang="de-DE"/>
               <a:t>Vierte Ebene</a:t>
             </a:r>
+            <a:endParaRPr lang="de-DE"/>
           </a:p>
           <a:p>
             <a:pPr lvl="4"/>
@@ -719,6 +704,7 @@
               <a:rPr lang="de-DE"/>
               <a:t>Fünfte Ebene</a:t>
             </a:r>
+            <a:endParaRPr lang="de-DE"/>
           </a:p>
         </p:txBody>
       </p:sp>
@@ -764,6 +750,7 @@
               <a:rPr lang="de-DE"/>
               <a:t>|  </a:t>
             </a:r>
+            <a:endParaRPr lang="de-DE"/>
           </a:p>
         </p:txBody>
       </p:sp>
@@ -811,7 +798,6 @@
             </a:r>
             <a:fld id="{C36AA9A4-5D0B-4134-89A6-D8B9DAA4F25C}" type="slidenum">
               <a:rPr lang="de-DE"/>
-              <a:t>‹Nr.›</a:t>
             </a:fld>
             <a:endParaRPr lang="de-DE"/>
           </a:p>
@@ -1150,7 +1136,7 @@
 </file>
 
 <file path=ppt/slideLayouts/slideLayout1.xml><?xml version="1.0" encoding="utf-8"?>
-<p:sldLayout xmlns:a="http://schemas.openxmlformats.org/drawingml/2006/main" xmlns:r="http://schemas.openxmlformats.org/officeDocument/2006/relationships" xmlns:p="http://schemas.openxmlformats.org/presentationml/2006/main" showMasterSp="0" preserve="1" userDrawn="1">
+<p:sldLayout xmlns:a="http://schemas.openxmlformats.org/drawingml/2006/main" xmlns:r="http://schemas.openxmlformats.org/officeDocument/2006/relationships" xmlns:p="http://schemas.openxmlformats.org/presentationml/2006/main" preserve="1" showMasterSp="0" userDrawn="1">
   <p:cSld name="Titelfolie">
     <p:spTree>
       <p:nvGrpSpPr>
@@ -1237,6 +1223,7 @@
               <a:rPr lang="de-DE" dirty="0"/>
               <a:t>Formatvorlage des Untertitelmasters durch Klicken bearbeiten</a:t>
             </a:r>
+            <a:endParaRPr lang="de-DE" dirty="0"/>
           </a:p>
         </p:txBody>
       </p:sp>
@@ -1429,6 +1416,7 @@
               <a:rPr lang="de-DE" dirty="0"/>
               <a:t>Titelmasterformat durch Klicken bearbeiten</a:t>
             </a:r>
+            <a:endParaRPr lang="de-DE" dirty="0"/>
           </a:p>
         </p:txBody>
       </p:sp>
@@ -1484,9 +1472,8 @@
                 <a:uFillTx/>
                 <a:latin typeface="+mn-lt"/>
                 <a:ea typeface="+mn-ea"/>
-                <a:cs typeface="Tahoma" panose="020B0604030504040204" pitchFamily="34" charset="0"/>
+                <a:cs typeface="Tahoma" panose="020B0804030504040204" pitchFamily="34" charset="0"/>
               </a:rPr>
-              <a:t>03.12.2019</a:t>
             </a:fld>
             <a:r>
               <a:rPr kumimoji="0" lang="de-DE" sz="1000" b="0" i="0" u="none" strike="noStrike" kern="1200" cap="none" spc="0" normalizeH="0" baseline="0" noProof="0" dirty="0">
@@ -1501,7 +1488,7 @@
                 <a:uFillTx/>
                 <a:latin typeface="+mn-lt"/>
                 <a:ea typeface="+mn-ea"/>
-                <a:cs typeface="Tahoma" panose="020B0604030504040204" pitchFamily="34" charset="0"/>
+                <a:cs typeface="Tahoma" panose="020B0804030504040204" pitchFamily="34" charset="0"/>
               </a:rPr>
               <a:t>  |  </a:t>
             </a:r>
@@ -1514,7 +1501,7 @@
                 <a:uLnTx/>
                 <a:uFillTx/>
                 <a:latin typeface="+mn-lt"/>
-                <a:cs typeface="Tahoma" panose="020B0604030504040204" pitchFamily="34" charset="0"/>
+                <a:cs typeface="Tahoma" panose="020B0804030504040204" pitchFamily="34" charset="0"/>
                 <a:sym typeface="+mn-ea"/>
               </a:rPr>
               <a:t>Fachbereich </a:t>
@@ -1528,7 +1515,7 @@
                 <a:uLnTx/>
                 <a:uFillTx/>
                 <a:latin typeface="+mn-lt"/>
-                <a:cs typeface="Tahoma" panose="020B0604030504040204" pitchFamily="34" charset="0"/>
+                <a:cs typeface="Tahoma" panose="020B0804030504040204" pitchFamily="34" charset="0"/>
                 <a:sym typeface="+mn-ea"/>
               </a:rPr>
               <a:t>20 </a:t>
@@ -1542,7 +1529,7 @@
                 <a:uLnTx/>
                 <a:uFillTx/>
                 <a:latin typeface="+mn-lt"/>
-                <a:cs typeface="Tahoma" panose="020B0604030504040204" pitchFamily="34" charset="0"/>
+                <a:cs typeface="Tahoma" panose="020B0804030504040204" pitchFamily="34" charset="0"/>
                 <a:sym typeface="+mn-ea"/>
               </a:rPr>
               <a:t>|  Institut Visual Inference La</a:t>
@@ -1556,7 +1543,7 @@
                 <a:uLnTx/>
                 <a:uFillTx/>
                 <a:latin typeface="+mn-lt"/>
-                <a:cs typeface="Tahoma" panose="020B0604030504040204" pitchFamily="34" charset="0"/>
+                <a:cs typeface="Tahoma" panose="020B0804030504040204" pitchFamily="34" charset="0"/>
                 <a:sym typeface="+mn-ea"/>
               </a:rPr>
               <a:t>b</a:t>
@@ -1570,7 +1557,7 @@
                 <a:uLnTx/>
                 <a:uFillTx/>
                 <a:latin typeface="+mn-lt"/>
-                <a:cs typeface="Tahoma" panose="020B0604030504040204" pitchFamily="34" charset="0"/>
+                <a:cs typeface="Tahoma" panose="020B0804030504040204" pitchFamily="34" charset="0"/>
                 <a:sym typeface="+mn-ea"/>
               </a:rPr>
               <a:t> |  Prof. </a:t>
@@ -1584,7 +1571,7 @@
                 <a:uLnTx/>
                 <a:uFillTx/>
                 <a:latin typeface="+mn-lt"/>
-                <a:cs typeface="Tahoma" panose="020B0604030504040204" pitchFamily="34" charset="0"/>
+                <a:cs typeface="Tahoma" panose="020B0804030504040204" pitchFamily="34" charset="0"/>
                 <a:sym typeface="+mn-ea"/>
               </a:rPr>
               <a:t>Stefan Roth </a:t>
@@ -1598,7 +1585,7 @@
                 <a:uLnTx/>
                 <a:uFillTx/>
                 <a:latin typeface="+mn-lt"/>
-                <a:cs typeface="Tahoma" panose="020B0604030504040204" pitchFamily="34" charset="0"/>
+                <a:cs typeface="Tahoma" panose="020B0804030504040204" pitchFamily="34" charset="0"/>
                 <a:sym typeface="+mn-ea"/>
               </a:rPr>
               <a:t>|  </a:t>
@@ -1616,10 +1603,9 @@
                 <a:uFillTx/>
                 <a:latin typeface="+mn-lt"/>
                 <a:ea typeface="+mn-ea"/>
-                <a:cs typeface="Tahoma" panose="020B0604030504040204" pitchFamily="34" charset="0"/>
+                <a:cs typeface="Tahoma" panose="020B0804030504040204" pitchFamily="34" charset="0"/>
                 <a:sym typeface="+mn-ea"/>
               </a:rPr>
-              <a:t>‹Nr.›</a:t>
             </a:fld>
             <a:endParaRPr kumimoji="0" lang="de-DE" sz="1000" b="0" i="0" u="none" strike="noStrike" kern="1200" cap="none" spc="0" normalizeH="0" baseline="0" noProof="0" dirty="0">
               <a:ln>
@@ -1633,7 +1619,7 @@
               <a:uFillTx/>
               <a:latin typeface="+mn-lt"/>
               <a:ea typeface="+mn-ea"/>
-              <a:cs typeface="Tahoma" panose="020B0604030504040204" pitchFamily="34" charset="0"/>
+              <a:cs typeface="Tahoma" panose="020B0804030504040204" pitchFamily="34" charset="0"/>
             </a:endParaRPr>
           </a:p>
           <a:p>
@@ -1665,7 +1651,7 @@
               <a:uFillTx/>
               <a:latin typeface="+mn-lt"/>
               <a:ea typeface="+mn-ea"/>
-              <a:cs typeface="Tahoma" panose="020B0604030504040204" pitchFamily="34" charset="0"/>
+              <a:cs typeface="Tahoma" panose="020B0804030504040204" pitchFamily="34" charset="0"/>
             </a:endParaRPr>
           </a:p>
         </p:txBody>
@@ -1738,6 +1724,7 @@
               <a:rPr lang="de-DE"/>
               <a:t>Titelmasterformat durch Klicken bearbeiten</a:t>
             </a:r>
+            <a:endParaRPr lang="de-DE"/>
           </a:p>
         </p:txBody>
       </p:sp>
@@ -1766,6 +1753,7 @@
               <a:rPr lang="de-DE" dirty="0"/>
               <a:t>Textmasterformate durch Klicken bearbeiten</a:t>
             </a:r>
+            <a:endParaRPr lang="de-DE" dirty="0"/>
           </a:p>
           <a:p>
             <a:pPr lvl="1"/>
@@ -1773,6 +1761,7 @@
               <a:rPr lang="de-DE" dirty="0"/>
               <a:t>Zweite Ebene</a:t>
             </a:r>
+            <a:endParaRPr lang="de-DE" dirty="0"/>
           </a:p>
           <a:p>
             <a:pPr lvl="2"/>
@@ -1780,6 +1769,7 @@
               <a:rPr lang="de-DE" dirty="0"/>
               <a:t>Dritte Ebene</a:t>
             </a:r>
+            <a:endParaRPr lang="de-DE" dirty="0"/>
           </a:p>
           <a:p>
             <a:pPr lvl="3"/>
@@ -1787,6 +1777,7 @@
               <a:rPr lang="de-DE" dirty="0"/>
               <a:t>Vierte Ebene</a:t>
             </a:r>
+            <a:endParaRPr lang="de-DE" dirty="0"/>
           </a:p>
           <a:p>
             <a:pPr lvl="4"/>
@@ -1794,6 +1785,7 @@
               <a:rPr lang="de-DE" dirty="0"/>
               <a:t>Fünfte Ebene</a:t>
             </a:r>
+            <a:endParaRPr lang="de-DE" dirty="0"/>
           </a:p>
         </p:txBody>
       </p:sp>
@@ -1850,6 +1842,7 @@
               <a:rPr lang="de-DE" dirty="0"/>
               <a:t>Titelmasterformat durch Klicken bearbeiten</a:t>
             </a:r>
+            <a:endParaRPr lang="de-DE" dirty="0"/>
           </a:p>
         </p:txBody>
       </p:sp>
@@ -1915,6 +1908,7 @@
               <a:rPr lang="de-DE"/>
               <a:t>Textmasterformate durch Klicken bearbeiten</a:t>
             </a:r>
+            <a:endParaRPr lang="de-DE"/>
           </a:p>
         </p:txBody>
       </p:sp>
@@ -1962,6 +1956,7 @@
               <a:rPr lang="de-DE"/>
               <a:t>Titelmasterformat durch Klicken bearbeiten</a:t>
             </a:r>
+            <a:endParaRPr lang="de-DE"/>
           </a:p>
         </p:txBody>
       </p:sp>
@@ -2018,6 +2013,7 @@
               <a:rPr lang="de-DE" dirty="0"/>
               <a:t>Textmasterformate durch Klicken bearbeiten</a:t>
             </a:r>
+            <a:endParaRPr lang="de-DE" dirty="0"/>
           </a:p>
           <a:p>
             <a:pPr lvl="1"/>
@@ -2025,6 +2021,7 @@
               <a:rPr lang="de-DE" dirty="0"/>
               <a:t>Zweite Ebene</a:t>
             </a:r>
+            <a:endParaRPr lang="de-DE" dirty="0"/>
           </a:p>
           <a:p>
             <a:pPr lvl="2"/>
@@ -2032,6 +2029,7 @@
               <a:rPr lang="de-DE" dirty="0"/>
               <a:t>Dritte Ebene</a:t>
             </a:r>
+            <a:endParaRPr lang="de-DE" dirty="0"/>
           </a:p>
           <a:p>
             <a:pPr lvl="3"/>
@@ -2039,6 +2037,7 @@
               <a:rPr lang="de-DE" dirty="0"/>
               <a:t>Vierte Ebene</a:t>
             </a:r>
+            <a:endParaRPr lang="de-DE" dirty="0"/>
           </a:p>
           <a:p>
             <a:pPr lvl="4"/>
@@ -2046,6 +2045,7 @@
               <a:rPr lang="de-DE" dirty="0"/>
               <a:t>Fünfte Ebene</a:t>
             </a:r>
+            <a:endParaRPr lang="de-DE" dirty="0"/>
           </a:p>
         </p:txBody>
       </p:sp>
@@ -2102,6 +2102,7 @@
               <a:rPr lang="de-DE" dirty="0"/>
               <a:t>Textmasterformate durch Klicken bearbeiten</a:t>
             </a:r>
+            <a:endParaRPr lang="de-DE" dirty="0"/>
           </a:p>
           <a:p>
             <a:pPr lvl="1"/>
@@ -2109,6 +2110,7 @@
               <a:rPr lang="de-DE" dirty="0"/>
               <a:t>Zweite Ebene</a:t>
             </a:r>
+            <a:endParaRPr lang="de-DE" dirty="0"/>
           </a:p>
           <a:p>
             <a:pPr lvl="2"/>
@@ -2116,6 +2118,7 @@
               <a:rPr lang="de-DE" dirty="0"/>
               <a:t>Dritte Ebene</a:t>
             </a:r>
+            <a:endParaRPr lang="de-DE" dirty="0"/>
           </a:p>
           <a:p>
             <a:pPr lvl="3"/>
@@ -2123,6 +2126,7 @@
               <a:rPr lang="de-DE" dirty="0"/>
               <a:t>Vierte Ebene</a:t>
             </a:r>
+            <a:endParaRPr lang="de-DE" dirty="0"/>
           </a:p>
           <a:p>
             <a:pPr lvl="4"/>
@@ -2130,6 +2134,7 @@
               <a:rPr lang="de-DE" dirty="0"/>
               <a:t>Fünfte Ebene</a:t>
             </a:r>
+            <a:endParaRPr lang="de-DE" dirty="0"/>
           </a:p>
         </p:txBody>
       </p:sp>
@@ -2177,6 +2182,7 @@
               <a:rPr lang="de-DE" dirty="0"/>
               <a:t>Titelmasterformat durch Klicken bearbeiten</a:t>
             </a:r>
+            <a:endParaRPr lang="de-DE" dirty="0"/>
           </a:p>
         </p:txBody>
       </p:sp>
@@ -2283,6 +2289,7 @@
               <a:rPr lang="de-DE" dirty="0"/>
               <a:t>Textmasterformate durch Klicken bearbeiten</a:t>
             </a:r>
+            <a:endParaRPr lang="de-DE" dirty="0"/>
           </a:p>
           <a:p>
             <a:pPr lvl="1"/>
@@ -2290,6 +2297,7 @@
               <a:rPr lang="de-DE" dirty="0"/>
               <a:t>Zweite Ebene</a:t>
             </a:r>
+            <a:endParaRPr lang="de-DE" dirty="0"/>
           </a:p>
           <a:p>
             <a:pPr lvl="2"/>
@@ -2297,6 +2305,7 @@
               <a:rPr lang="de-DE" dirty="0"/>
               <a:t>Dritte Ebene</a:t>
             </a:r>
+            <a:endParaRPr lang="de-DE" dirty="0"/>
           </a:p>
           <a:p>
             <a:pPr lvl="3"/>
@@ -2304,6 +2313,7 @@
               <a:rPr lang="de-DE" dirty="0"/>
               <a:t>Vierte Ebene</a:t>
             </a:r>
+            <a:endParaRPr lang="de-DE" dirty="0"/>
           </a:p>
           <a:p>
             <a:pPr lvl="4"/>
@@ -2311,6 +2321,7 @@
               <a:rPr lang="de-DE" dirty="0"/>
               <a:t>Fünfte Ebene</a:t>
             </a:r>
+            <a:endParaRPr lang="de-DE" dirty="0"/>
           </a:p>
         </p:txBody>
       </p:sp>
@@ -2376,6 +2387,7 @@
               <a:rPr lang="de-DE" dirty="0"/>
               <a:t>Textmasterformate durch Klicken bearbeiten</a:t>
             </a:r>
+            <a:endParaRPr lang="de-DE" dirty="0"/>
           </a:p>
         </p:txBody>
       </p:sp>
@@ -2403,6 +2415,7 @@
               <a:rPr lang="de-DE"/>
               <a:t>Titelmasterformat durch Klicken bearbeiten</a:t>
             </a:r>
+            <a:endParaRPr lang="de-DE"/>
           </a:p>
         </p:txBody>
       </p:sp>
@@ -2459,6 +2472,7 @@
               <a:rPr lang="de-DE"/>
               <a:t>Titelmasterformat durch Klicken bearbeiten</a:t>
             </a:r>
+            <a:endParaRPr lang="de-DE"/>
           </a:p>
         </p:txBody>
       </p:sp>
@@ -2523,6 +2537,7 @@
               <a:rPr lang="de-DE"/>
               <a:t>Bild durch Klicken auf Symbol hinzufügen</a:t>
             </a:r>
+            <a:endParaRPr lang="de-DE"/>
           </a:p>
         </p:txBody>
       </p:sp>
@@ -2588,6 +2603,7 @@
               <a:rPr lang="de-DE"/>
               <a:t>Textmasterformate durch Klicken bearbeiten</a:t>
             </a:r>
+            <a:endParaRPr lang="de-DE"/>
           </a:p>
         </p:txBody>
       </p:sp>
@@ -2653,7 +2669,7 @@
           <a:p>
             <a:endParaRPr lang="de-DE">
               <a:latin typeface="+mn-lt"/>
-              <a:cs typeface="Tahoma" panose="020B0604030504040204" pitchFamily="34" charset="0"/>
+              <a:cs typeface="Tahoma" panose="020B0804030504040204" pitchFamily="34" charset="0"/>
             </a:endParaRPr>
           </a:p>
         </p:txBody>
@@ -2692,6 +2708,7 @@
               <a:rPr lang="de-DE" dirty="0"/>
               <a:t>Titelmasterformat durch Klicken bearbeiten</a:t>
             </a:r>
+            <a:endParaRPr lang="de-DE" dirty="0"/>
           </a:p>
         </p:txBody>
       </p:sp>
@@ -2729,6 +2746,7 @@
               <a:rPr lang="de-DE" dirty="0"/>
               <a:t>Textmasterformate durch Klicken bearbeiten</a:t>
             </a:r>
+            <a:endParaRPr lang="de-DE" dirty="0"/>
           </a:p>
           <a:p>
             <a:pPr lvl="1"/>
@@ -2736,6 +2754,7 @@
               <a:rPr lang="de-DE" dirty="0"/>
               <a:t>Zweite Ebene</a:t>
             </a:r>
+            <a:endParaRPr lang="de-DE" dirty="0"/>
           </a:p>
           <a:p>
             <a:pPr lvl="2"/>
@@ -2743,6 +2762,7 @@
               <a:rPr lang="de-DE" dirty="0"/>
               <a:t>Dritte Ebene</a:t>
             </a:r>
+            <a:endParaRPr lang="de-DE" dirty="0"/>
           </a:p>
           <a:p>
             <a:pPr lvl="3"/>
@@ -2750,6 +2770,7 @@
               <a:rPr lang="de-DE" dirty="0"/>
               <a:t>Vierte Ebene</a:t>
             </a:r>
+            <a:endParaRPr lang="de-DE" dirty="0"/>
           </a:p>
           <a:p>
             <a:pPr lvl="4"/>
@@ -2757,6 +2778,7 @@
               <a:rPr lang="de-DE" dirty="0"/>
               <a:t>Fünfte Ebene</a:t>
             </a:r>
+            <a:endParaRPr lang="de-DE" dirty="0"/>
           </a:p>
         </p:txBody>
       </p:sp>
@@ -2790,7 +2812,7 @@
           <a:p>
             <a:endParaRPr lang="de-DE">
               <a:latin typeface="+mn-lt"/>
-              <a:cs typeface="Tahoma" panose="020B0604030504040204" pitchFamily="34" charset="0"/>
+              <a:cs typeface="Tahoma" panose="020B0804030504040204" pitchFamily="34" charset="0"/>
             </a:endParaRPr>
           </a:p>
         </p:txBody>
@@ -2804,7 +2826,7 @@
           <p:nvPr/>
         </p:nvPicPr>
         <p:blipFill>
-          <a:blip r:embed="rId10" cstate="print"/>
+          <a:blip r:embed="rId9" cstate="print"/>
           <a:srcRect r="5453"/>
           <a:stretch>
             <a:fillRect/>
@@ -2857,7 +2879,7 @@
           <a:p>
             <a:endParaRPr lang="de-DE">
               <a:latin typeface="+mn-lt"/>
-              <a:cs typeface="Tahoma" panose="020B0604030504040204" pitchFamily="34" charset="0"/>
+              <a:cs typeface="Tahoma" panose="020B0804030504040204" pitchFamily="34" charset="0"/>
             </a:endParaRPr>
           </a:p>
         </p:txBody>
@@ -2893,7 +2915,7 @@
           <a:p>
             <a:endParaRPr lang="de-DE">
               <a:latin typeface="+mn-lt"/>
-              <a:cs typeface="Tahoma" panose="020B0604030504040204" pitchFamily="34" charset="0"/>
+              <a:cs typeface="Tahoma" panose="020B0804030504040204" pitchFamily="34" charset="0"/>
             </a:endParaRPr>
           </a:p>
         </p:txBody>
@@ -2928,7 +2950,7 @@
           <a:p>
             <a:endParaRPr lang="de-DE">
               <a:latin typeface="+mn-lt"/>
-              <a:cs typeface="Tahoma" panose="020B0604030504040204" pitchFamily="34" charset="0"/>
+              <a:cs typeface="Tahoma" panose="020B0804030504040204" pitchFamily="34" charset="0"/>
             </a:endParaRPr>
           </a:p>
         </p:txBody>
@@ -2985,9 +3007,8 @@
                 <a:uFillTx/>
                 <a:latin typeface="+mn-lt"/>
                 <a:ea typeface="+mn-ea"/>
-                <a:cs typeface="Tahoma" panose="020B0604030504040204" pitchFamily="34" charset="0"/>
+                <a:cs typeface="Tahoma" panose="020B0804030504040204" pitchFamily="34" charset="0"/>
               </a:rPr>
-              <a:t>03.12.2019</a:t>
             </a:fld>
             <a:r>
               <a:rPr kumimoji="0" lang="de-DE" sz="1000" b="0" i="0" u="none" strike="noStrike" kern="1200" cap="none" spc="0" normalizeH="0" baseline="0" noProof="0" dirty="0">
@@ -3002,7 +3023,7 @@
                 <a:uFillTx/>
                 <a:latin typeface="+mn-lt"/>
                 <a:ea typeface="+mn-ea"/>
-                <a:cs typeface="Tahoma" panose="020B0604030504040204" pitchFamily="34" charset="0"/>
+                <a:cs typeface="Tahoma" panose="020B0804030504040204" pitchFamily="34" charset="0"/>
               </a:rPr>
               <a:t>  |  Fachbereich </a:t>
             </a:r>
@@ -3019,7 +3040,7 @@
                 <a:uFillTx/>
                 <a:latin typeface="+mn-lt"/>
                 <a:ea typeface="+mn-ea"/>
-                <a:cs typeface="Tahoma" panose="020B0604030504040204" pitchFamily="34" charset="0"/>
+                <a:cs typeface="Tahoma" panose="020B0804030504040204" pitchFamily="34" charset="0"/>
               </a:rPr>
               <a:t>20 </a:t>
             </a:r>
@@ -3036,7 +3057,7 @@
                 <a:uFillTx/>
                 <a:latin typeface="+mn-lt"/>
                 <a:ea typeface="+mn-ea"/>
-                <a:cs typeface="Tahoma" panose="020B0604030504040204" pitchFamily="34" charset="0"/>
+                <a:cs typeface="Tahoma" panose="020B0804030504040204" pitchFamily="34" charset="0"/>
               </a:rPr>
               <a:t>|  Institut </a:t>
             </a:r>
@@ -3049,7 +3070,7 @@
                 <a:uLnTx/>
                 <a:uFillTx/>
                 <a:latin typeface="+mn-lt"/>
-                <a:cs typeface="Tahoma" panose="020B0604030504040204" pitchFamily="34" charset="0"/>
+                <a:cs typeface="Tahoma" panose="020B0804030504040204" pitchFamily="34" charset="0"/>
                 <a:sym typeface="+mn-ea"/>
               </a:rPr>
               <a:t>Visual Inference La</a:t>
@@ -3063,7 +3084,7 @@
                 <a:uLnTx/>
                 <a:uFillTx/>
                 <a:latin typeface="+mn-lt"/>
-                <a:cs typeface="Tahoma" panose="020B0604030504040204" pitchFamily="34" charset="0"/>
+                <a:cs typeface="Tahoma" panose="020B0804030504040204" pitchFamily="34" charset="0"/>
                 <a:sym typeface="+mn-ea"/>
               </a:rPr>
               <a:t>b</a:t>
@@ -3077,7 +3098,7 @@
                 <a:uLnTx/>
                 <a:uFillTx/>
                 <a:latin typeface="+mn-lt"/>
-                <a:cs typeface="Tahoma" panose="020B0604030504040204" pitchFamily="34" charset="0"/>
+                <a:cs typeface="Tahoma" panose="020B0804030504040204" pitchFamily="34" charset="0"/>
                 <a:sym typeface="+mn-ea"/>
               </a:rPr>
               <a:t> </a:t>
@@ -3095,7 +3116,7 @@
                 <a:uFillTx/>
                 <a:latin typeface="+mn-lt"/>
                 <a:ea typeface="+mn-ea"/>
-                <a:cs typeface="Tahoma" panose="020B0604030504040204" pitchFamily="34" charset="0"/>
+                <a:cs typeface="Tahoma" panose="020B0804030504040204" pitchFamily="34" charset="0"/>
               </a:rPr>
               <a:t>|  Prof. </a:t>
             </a:r>
@@ -3112,7 +3133,7 @@
                 <a:uFillTx/>
                 <a:latin typeface="+mn-lt"/>
                 <a:ea typeface="+mn-ea"/>
-                <a:cs typeface="Tahoma" panose="020B0604030504040204" pitchFamily="34" charset="0"/>
+                <a:cs typeface="Tahoma" panose="020B0804030504040204" pitchFamily="34" charset="0"/>
               </a:rPr>
               <a:t>Stefan Roth </a:t>
             </a:r>
@@ -3129,7 +3150,7 @@
                 <a:uFillTx/>
                 <a:latin typeface="+mn-lt"/>
                 <a:ea typeface="+mn-ea"/>
-                <a:cs typeface="Tahoma" panose="020B0604030504040204" pitchFamily="34" charset="0"/>
+                <a:cs typeface="Tahoma" panose="020B0804030504040204" pitchFamily="34" charset="0"/>
               </a:rPr>
               <a:t>|  </a:t>
             </a:r>
@@ -3146,9 +3167,8 @@
                 <a:uFillTx/>
                 <a:latin typeface="+mn-lt"/>
                 <a:ea typeface="+mn-ea"/>
-                <a:cs typeface="Tahoma" panose="020B0604030504040204" pitchFamily="34" charset="0"/>
+                <a:cs typeface="Tahoma" panose="020B0804030504040204" pitchFamily="34" charset="0"/>
               </a:rPr>
-              <a:t>‹Nr.›</a:t>
             </a:fld>
             <a:endParaRPr kumimoji="0" lang="de-DE" sz="1000" b="0" i="0" u="none" strike="noStrike" kern="1200" cap="none" spc="0" normalizeH="0" baseline="0" noProof="0" dirty="0">
               <a:ln>
@@ -3162,7 +3182,7 @@
               <a:uFillTx/>
               <a:latin typeface="+mn-lt"/>
               <a:ea typeface="+mn-ea"/>
-              <a:cs typeface="Tahoma" panose="020B0604030504040204" pitchFamily="34" charset="0"/>
+              <a:cs typeface="Tahoma" panose="020B0804030504040204" pitchFamily="34" charset="0"/>
             </a:endParaRPr>
           </a:p>
           <a:p>
@@ -3194,7 +3214,7 @@
               <a:uFillTx/>
               <a:latin typeface="+mn-lt"/>
               <a:ea typeface="+mn-ea"/>
-              <a:cs typeface="Tahoma" panose="020B0604030504040204" pitchFamily="34" charset="0"/>
+              <a:cs typeface="Tahoma" panose="020B0804030504040204" pitchFamily="34" charset="0"/>
             </a:endParaRPr>
           </a:p>
         </p:txBody>
@@ -3208,7 +3228,7 @@
           <p:nvPr userDrawn="1"/>
         </p:nvPicPr>
         <p:blipFill>
-          <a:blip r:embed="rId11"/>
+          <a:blip r:embed="rId10"/>
           <a:stretch>
             <a:fillRect/>
           </a:stretch>
@@ -3252,7 +3272,7 @@
           </a:solidFill>
           <a:latin typeface="+mn-lt"/>
           <a:ea typeface="+mj-ea"/>
-          <a:cs typeface="Tahoma" panose="020B0604030504040204" pitchFamily="34" charset="0"/>
+          <a:cs typeface="Tahoma" panose="020B0804030504040204" pitchFamily="34" charset="0"/>
         </a:defRPr>
       </a:lvl1pPr>
       <a:lvl2pPr algn="l" rtl="0" eaLnBrk="1" fontAlgn="base" hangingPunct="1">
@@ -3266,7 +3286,7 @@
           <a:solidFill>
             <a:schemeClr val="tx1"/>
           </a:solidFill>
-          <a:latin typeface="Arial" panose="020B0604020202020204" pitchFamily="34" charset="0"/>
+          <a:latin typeface="Arial" panose="020B0604020202090204" pitchFamily="34" charset="0"/>
         </a:defRPr>
       </a:lvl2pPr>
       <a:lvl3pPr algn="l" rtl="0" eaLnBrk="1" fontAlgn="base" hangingPunct="1">
@@ -3280,7 +3300,7 @@
           <a:solidFill>
             <a:schemeClr val="tx1"/>
           </a:solidFill>
-          <a:latin typeface="Arial" panose="020B0604020202020204" pitchFamily="34" charset="0"/>
+          <a:latin typeface="Arial" panose="020B0604020202090204" pitchFamily="34" charset="0"/>
         </a:defRPr>
       </a:lvl3pPr>
       <a:lvl4pPr algn="l" rtl="0" eaLnBrk="1" fontAlgn="base" hangingPunct="1">
@@ -3294,7 +3314,7 @@
           <a:solidFill>
             <a:schemeClr val="tx1"/>
           </a:solidFill>
-          <a:latin typeface="Arial" panose="020B0604020202020204" pitchFamily="34" charset="0"/>
+          <a:latin typeface="Arial" panose="020B0604020202090204" pitchFamily="34" charset="0"/>
         </a:defRPr>
       </a:lvl4pPr>
       <a:lvl5pPr algn="l" rtl="0" eaLnBrk="1" fontAlgn="base" hangingPunct="1">
@@ -3308,7 +3328,7 @@
           <a:solidFill>
             <a:schemeClr val="tx1"/>
           </a:solidFill>
-          <a:latin typeface="Arial" panose="020B0604020202020204" pitchFamily="34" charset="0"/>
+          <a:latin typeface="Arial" panose="020B0604020202090204" pitchFamily="34" charset="0"/>
         </a:defRPr>
       </a:lvl5pPr>
       <a:lvl6pPr marL="457200" algn="l" rtl="0" eaLnBrk="1" fontAlgn="base" hangingPunct="1">
@@ -3322,7 +3342,7 @@
           <a:solidFill>
             <a:schemeClr val="tx1"/>
           </a:solidFill>
-          <a:latin typeface="Arial" panose="020B0604020202020204" pitchFamily="34" charset="0"/>
+          <a:latin typeface="Arial" panose="020B0604020202090204" pitchFamily="34" charset="0"/>
         </a:defRPr>
       </a:lvl6pPr>
       <a:lvl7pPr marL="914400" algn="l" rtl="0" eaLnBrk="1" fontAlgn="base" hangingPunct="1">
@@ -3336,7 +3356,7 @@
           <a:solidFill>
             <a:schemeClr val="tx1"/>
           </a:solidFill>
-          <a:latin typeface="Arial" panose="020B0604020202020204" pitchFamily="34" charset="0"/>
+          <a:latin typeface="Arial" panose="020B0604020202090204" pitchFamily="34" charset="0"/>
         </a:defRPr>
       </a:lvl7pPr>
       <a:lvl8pPr marL="1371600" algn="l" rtl="0" eaLnBrk="1" fontAlgn="base" hangingPunct="1">
@@ -3350,7 +3370,7 @@
           <a:solidFill>
             <a:schemeClr val="tx1"/>
           </a:solidFill>
-          <a:latin typeface="Arial" panose="020B0604020202020204" pitchFamily="34" charset="0"/>
+          <a:latin typeface="Arial" panose="020B0604020202090204" pitchFamily="34" charset="0"/>
         </a:defRPr>
       </a:lvl8pPr>
       <a:lvl9pPr marL="1828800" algn="l" rtl="0" eaLnBrk="1" fontAlgn="base" hangingPunct="1">
@@ -3364,7 +3384,7 @@
           <a:solidFill>
             <a:schemeClr val="tx1"/>
           </a:solidFill>
-          <a:latin typeface="Arial" panose="020B0604020202020204" pitchFamily="34" charset="0"/>
+          <a:latin typeface="Arial" panose="020B0604020202090204" pitchFamily="34" charset="0"/>
         </a:defRPr>
       </a:lvl9pPr>
     </p:titleStyle>
@@ -3387,7 +3407,7 @@
           </a:solidFill>
           <a:latin typeface="+mn-lt"/>
           <a:ea typeface="+mn-ea"/>
-          <a:cs typeface="Tahoma" panose="020B0604030504040204" pitchFamily="34" charset="0"/>
+          <a:cs typeface="Tahoma" panose="020B0804030504040204" pitchFamily="34" charset="0"/>
         </a:defRPr>
       </a:lvl1pPr>
       <a:lvl2pPr marL="179705" indent="-177800" algn="l" rtl="0" eaLnBrk="1" fontAlgn="base" hangingPunct="1">
@@ -3407,7 +3427,7 @@
             <a:schemeClr val="tx1"/>
           </a:solidFill>
           <a:latin typeface="+mn-lt"/>
-          <a:cs typeface="Tahoma" panose="020B0604030504040204" pitchFamily="34" charset="0"/>
+          <a:cs typeface="Tahoma" panose="020B0804030504040204" pitchFamily="34" charset="0"/>
         </a:defRPr>
       </a:lvl2pPr>
       <a:lvl3pPr marL="538480" indent="-187325" algn="l" rtl="0" eaLnBrk="1" fontAlgn="base" hangingPunct="1">
@@ -3427,7 +3447,7 @@
             <a:schemeClr val="tx1"/>
           </a:solidFill>
           <a:latin typeface="+mn-lt"/>
-          <a:cs typeface="Tahoma" panose="020B0604030504040204" pitchFamily="34" charset="0"/>
+          <a:cs typeface="Tahoma" panose="020B0804030504040204" pitchFamily="34" charset="0"/>
         </a:defRPr>
       </a:lvl3pPr>
       <a:lvl4pPr marL="717550" indent="-173355" algn="l" rtl="0" eaLnBrk="1" fontAlgn="base" hangingPunct="1">
@@ -3447,7 +3467,7 @@
             <a:schemeClr val="tx1"/>
           </a:solidFill>
           <a:latin typeface="+mn-lt"/>
-          <a:cs typeface="Tahoma" panose="020B0604030504040204" pitchFamily="34" charset="0"/>
+          <a:cs typeface="Tahoma" panose="020B0804030504040204" pitchFamily="34" charset="0"/>
         </a:defRPr>
       </a:lvl4pPr>
       <a:lvl5pPr marL="908050" indent="-189230" algn="l" rtl="0" eaLnBrk="1" fontAlgn="base" hangingPunct="1">
@@ -3467,7 +3487,7 @@
             <a:schemeClr val="tx1"/>
           </a:solidFill>
           <a:latin typeface="+mn-lt"/>
-          <a:cs typeface="Tahoma" panose="020B0604030504040204" pitchFamily="34" charset="0"/>
+          <a:cs typeface="Tahoma" panose="020B0804030504040204" pitchFamily="34" charset="0"/>
         </a:defRPr>
       </a:lvl5pPr>
       <a:lvl6pPr marL="1365250" indent="-189230" algn="l" rtl="0" eaLnBrk="1" fontAlgn="base" hangingPunct="1">
@@ -3730,6 +3750,248 @@
               <a:rPr lang="en-US" altLang="de-DE" dirty="0"/>
               <a:t>Piecewise monocular depth estimation by plane fitting</a:t>
             </a:r>
+            <a:endParaRPr lang="en-US" altLang="de-DE" dirty="0"/>
+          </a:p>
+        </p:txBody>
+      </p:sp>
+    </p:spTree>
+  </p:cSld>
+  <p:clrMapOvr>
+    <a:masterClrMapping/>
+  </p:clrMapOvr>
+</p:sld>
+</file>
+
+<file path=ppt/slides/slide10.xml><?xml version="1.0" encoding="utf-8"?>
+<p:sld xmlns:a="http://schemas.openxmlformats.org/drawingml/2006/main" xmlns:r="http://schemas.openxmlformats.org/officeDocument/2006/relationships" xmlns:p="http://schemas.openxmlformats.org/presentationml/2006/main">
+  <p:cSld>
+    <p:spTree>
+      <p:nvGrpSpPr>
+        <p:cNvPr id="1" name=""/>
+        <p:cNvGrpSpPr/>
+        <p:nvPr/>
+      </p:nvGrpSpPr>
+      <p:grpSpPr>
+        <a:xfrm>
+          <a:off x="0" y="0"/>
+          <a:ext cx="0" cy="0"/>
+          <a:chOff x="0" y="0"/>
+          <a:chExt cx="0" cy="0"/>
+        </a:xfrm>
+      </p:grpSpPr>
+      <p:sp>
+        <p:nvSpPr>
+          <p:cNvPr id="2" name="Titel 1"/>
+          <p:cNvSpPr>
+            <a:spLocks noGrp="1"/>
+          </p:cNvSpPr>
+          <p:nvPr>
+            <p:ph type="title"/>
+          </p:nvPr>
+        </p:nvSpPr>
+        <p:spPr/>
+        <p:txBody>
+          <a:bodyPr/>
+          <a:lstStyle/>
+          <a:p>
+            <a:pPr marL="457200" indent="-457200">
+              <a:buFont typeface="+mj-lt"/>
+              <a:buAutoNum type="arabicPeriod" startAt="6"/>
+            </a:pPr>
+            <a:r>
+              <a:rPr lang="en-US" dirty="0"/>
+              <a:t>Review</a:t>
+            </a:r>
+            <a:endParaRPr lang="en-US" dirty="0"/>
+          </a:p>
+        </p:txBody>
+      </p:sp>
+      <p:sp>
+        <p:nvSpPr>
+          <p:cNvPr id="3" name="Inhaltsplatzhalter 2"/>
+          <p:cNvSpPr>
+            <a:spLocks noGrp="1"/>
+          </p:cNvSpPr>
+          <p:nvPr>
+            <p:ph idx="1"/>
+          </p:nvPr>
+        </p:nvSpPr>
+        <p:spPr>
+          <a:xfrm>
+            <a:off x="360000" y="1620000"/>
+            <a:ext cx="8532480" cy="4479943"/>
+          </a:xfrm>
+        </p:spPr>
+        <p:txBody>
+          <a:bodyPr/>
+          <a:lstStyle/>
+          <a:p>
+            <a:pPr marL="0" indent="0"/>
+            <a:r>
+              <a:rPr lang="de-DE" dirty="0">
+                <a:solidFill>
+                  <a:srgbClr val="FF0000"/>
+                </a:solidFill>
+              </a:rPr>
+              <a:t>Whole Group: </a:t>
+            </a:r>
+            <a:r>
+              <a:rPr lang="de-DE" dirty="0" err="1">
+                <a:solidFill>
+                  <a:srgbClr val="FF0000"/>
+                </a:solidFill>
+              </a:rPr>
+              <a:t>Comparison</a:t>
+            </a:r>
+            <a:r>
+              <a:rPr lang="de-DE" dirty="0">
+                <a:solidFill>
+                  <a:srgbClr val="FF0000"/>
+                </a:solidFill>
+              </a:rPr>
+              <a:t> </a:t>
+            </a:r>
+            <a:r>
+              <a:rPr lang="de-DE" dirty="0" err="1">
+                <a:solidFill>
+                  <a:srgbClr val="FF0000"/>
+                </a:solidFill>
+              </a:rPr>
+              <a:t>between</a:t>
+            </a:r>
+            <a:r>
+              <a:rPr lang="de-DE" dirty="0">
+                <a:solidFill>
+                  <a:srgbClr val="FF0000"/>
+                </a:solidFill>
+              </a:rPr>
+              <a:t> </a:t>
+            </a:r>
+            <a:r>
+              <a:rPr lang="de-DE" dirty="0" err="1">
+                <a:solidFill>
+                  <a:srgbClr val="FF0000"/>
+                </a:solidFill>
+              </a:rPr>
+              <a:t>whats</a:t>
+            </a:r>
+            <a:r>
+              <a:rPr lang="de-DE" dirty="0">
+                <a:solidFill>
+                  <a:srgbClr val="FF0000"/>
+                </a:solidFill>
+              </a:rPr>
+              <a:t> </a:t>
+            </a:r>
+            <a:r>
+              <a:rPr lang="de-DE" dirty="0" err="1">
+                <a:solidFill>
+                  <a:srgbClr val="FF0000"/>
+                </a:solidFill>
+              </a:rPr>
+              <a:t>our</a:t>
+            </a:r>
+            <a:r>
+              <a:rPr lang="de-DE" dirty="0">
+                <a:solidFill>
+                  <a:srgbClr val="FF0000"/>
+                </a:solidFill>
+              </a:rPr>
+              <a:t> </a:t>
+            </a:r>
+            <a:r>
+              <a:rPr lang="de-DE" dirty="0" err="1">
+                <a:solidFill>
+                  <a:srgbClr val="FF0000"/>
+                </a:solidFill>
+              </a:rPr>
+              <a:t>state</a:t>
+            </a:r>
+            <a:r>
+              <a:rPr lang="de-DE" dirty="0">
+                <a:solidFill>
+                  <a:srgbClr val="FF0000"/>
+                </a:solidFill>
+              </a:rPr>
+              <a:t> </a:t>
+            </a:r>
+            <a:r>
+              <a:rPr lang="de-DE" dirty="0" err="1">
+                <a:solidFill>
+                  <a:srgbClr val="FF0000"/>
+                </a:solidFill>
+              </a:rPr>
+              <a:t>what</a:t>
+            </a:r>
+            <a:r>
+              <a:rPr lang="de-DE" dirty="0">
+                <a:solidFill>
+                  <a:srgbClr val="FF0000"/>
+                </a:solidFill>
+              </a:rPr>
+              <a:t> do </a:t>
+            </a:r>
+            <a:r>
+              <a:rPr lang="de-DE" dirty="0" err="1">
+                <a:solidFill>
+                  <a:srgbClr val="FF0000"/>
+                </a:solidFill>
+              </a:rPr>
+              <a:t>we</a:t>
+            </a:r>
+            <a:r>
+              <a:rPr lang="de-DE" dirty="0">
+                <a:solidFill>
+                  <a:srgbClr val="FF0000"/>
+                </a:solidFill>
+              </a:rPr>
+              <a:t> </a:t>
+            </a:r>
+            <a:r>
+              <a:rPr lang="de-DE" dirty="0" err="1">
+                <a:solidFill>
+                  <a:srgbClr val="FF0000"/>
+                </a:solidFill>
+              </a:rPr>
+              <a:t>want</a:t>
+            </a:r>
+            <a:r>
+              <a:rPr lang="de-DE" dirty="0">
+                <a:solidFill>
+                  <a:srgbClr val="FF0000"/>
+                </a:solidFill>
+              </a:rPr>
+              <a:t> </a:t>
+            </a:r>
+            <a:r>
+              <a:rPr lang="de-DE" dirty="0" err="1">
+                <a:solidFill>
+                  <a:srgbClr val="FF0000"/>
+                </a:solidFill>
+              </a:rPr>
+              <a:t>to</a:t>
+            </a:r>
+            <a:r>
+              <a:rPr lang="de-DE" dirty="0">
+                <a:solidFill>
+                  <a:srgbClr val="FF0000"/>
+                </a:solidFill>
+              </a:rPr>
+              <a:t> </a:t>
+            </a:r>
+            <a:r>
+              <a:rPr lang="de-DE" dirty="0" err="1">
+                <a:solidFill>
+                  <a:srgbClr val="FF0000"/>
+                </a:solidFill>
+              </a:rPr>
+              <a:t>achieve</a:t>
+            </a:r>
+            <a:endParaRPr lang="de-DE" dirty="0">
+              <a:solidFill>
+                <a:srgbClr val="FF0000"/>
+              </a:solidFill>
+            </a:endParaRPr>
           </a:p>
         </p:txBody>
       </p:sp>
@@ -3760,13 +4022,7 @@
       </p:grpSpPr>
       <p:sp>
         <p:nvSpPr>
-          <p:cNvPr id="2" name="Titel 1">
-            <a:extLst>
-              <a:ext uri="{FF2B5EF4-FFF2-40B4-BE49-F238E27FC236}">
-                <a16:creationId xmlns:a16="http://schemas.microsoft.com/office/drawing/2014/main" id="{58F29F37-F576-48D7-A284-FDC5010F3983}"/>
-              </a:ext>
-            </a:extLst>
-          </p:cNvPr>
+          <p:cNvPr id="2" name="Titel 1"/>
           <p:cNvSpPr>
             <a:spLocks noGrp="1"/>
           </p:cNvSpPr>
@@ -3783,18 +4039,13 @@
               <a:rPr lang="de-DE" dirty="0"/>
               <a:t>Agenda</a:t>
             </a:r>
-          </a:p>
-        </p:txBody>
-      </p:sp>
-      <p:sp>
-        <p:nvSpPr>
-          <p:cNvPr id="3" name="Inhaltsplatzhalter 2">
-            <a:extLst>
-              <a:ext uri="{FF2B5EF4-FFF2-40B4-BE49-F238E27FC236}">
-                <a16:creationId xmlns:a16="http://schemas.microsoft.com/office/drawing/2014/main" id="{9CEAAB0E-5D5C-4129-936B-DFFA777604D2}"/>
-              </a:ext>
-            </a:extLst>
-          </p:cNvPr>
+            <a:endParaRPr lang="de-DE" dirty="0"/>
+          </a:p>
+        </p:txBody>
+      </p:sp>
+      <p:sp>
+        <p:nvSpPr>
+          <p:cNvPr id="3" name="Inhaltsplatzhalter 2"/>
           <p:cNvSpPr>
             <a:spLocks noGrp="1"/>
           </p:cNvSpPr>
@@ -3815,6 +4066,7 @@
               <a:rPr lang="en-US" dirty="0"/>
               <a:t>Overview incl. Goal</a:t>
             </a:r>
+            <a:endParaRPr lang="en-US" dirty="0"/>
           </a:p>
           <a:p>
             <a:pPr marL="457200" indent="-457200">
@@ -3825,6 +4077,7 @@
               <a:rPr lang="en-US" dirty="0"/>
               <a:t>History and Architecture</a:t>
             </a:r>
+            <a:endParaRPr lang="en-US" dirty="0"/>
           </a:p>
           <a:p>
             <a:pPr marL="457200" indent="-457200">
@@ -3846,6 +4099,7 @@
               <a:rPr lang="en-US" dirty="0"/>
               <a:t>Results</a:t>
             </a:r>
+            <a:endParaRPr lang="en-US" dirty="0"/>
           </a:p>
           <a:p>
             <a:pPr marL="457200" indent="-457200">
@@ -3856,6 +4110,7 @@
               <a:rPr lang="en-US" dirty="0"/>
               <a:t>Forecast and Approaches</a:t>
             </a:r>
+            <a:endParaRPr lang="en-US" dirty="0"/>
           </a:p>
           <a:p>
             <a:pPr marL="457200" indent="-457200">
@@ -3866,6 +4121,7 @@
               <a:rPr lang="en-US" dirty="0"/>
               <a:t>Review</a:t>
             </a:r>
+            <a:endParaRPr lang="en-US" dirty="0"/>
           </a:p>
           <a:p>
             <a:pPr marL="457200" indent="-457200">
@@ -3877,11 +4133,6 @@
         </p:txBody>
       </p:sp>
     </p:spTree>
-    <p:extLst>
-      <p:ext uri="{BB962C8B-B14F-4D97-AF65-F5344CB8AC3E}">
-        <p14:creationId xmlns:p14="http://schemas.microsoft.com/office/powerpoint/2010/main" val="3522290082"/>
-      </p:ext>
-    </p:extLst>
   </p:cSld>
   <p:clrMapOvr>
     <a:masterClrMapping/>
@@ -3908,13 +4159,7 @@
       </p:grpSpPr>
       <p:sp>
         <p:nvSpPr>
-          <p:cNvPr id="2" name="Titel 1">
-            <a:extLst>
-              <a:ext uri="{FF2B5EF4-FFF2-40B4-BE49-F238E27FC236}">
-                <a16:creationId xmlns:a16="http://schemas.microsoft.com/office/drawing/2014/main" id="{58F29F37-F576-48D7-A284-FDC5010F3983}"/>
-              </a:ext>
-            </a:extLst>
-          </p:cNvPr>
+          <p:cNvPr id="2" name="Titel 1"/>
           <p:cNvSpPr>
             <a:spLocks noGrp="1"/>
           </p:cNvSpPr>
@@ -3935,18 +4180,13 @@
               <a:rPr lang="en-US" dirty="0"/>
               <a:t>Overview incl. Goal</a:t>
             </a:r>
-          </a:p>
-        </p:txBody>
-      </p:sp>
-      <p:sp>
-        <p:nvSpPr>
-          <p:cNvPr id="3" name="Inhaltsplatzhalter 2">
-            <a:extLst>
-              <a:ext uri="{FF2B5EF4-FFF2-40B4-BE49-F238E27FC236}">
-                <a16:creationId xmlns:a16="http://schemas.microsoft.com/office/drawing/2014/main" id="{9CEAAB0E-5D5C-4129-936B-DFFA777604D2}"/>
-              </a:ext>
-            </a:extLst>
-          </p:cNvPr>
+            <a:endParaRPr lang="en-US" dirty="0"/>
+          </a:p>
+        </p:txBody>
+      </p:sp>
+      <p:sp>
+        <p:nvSpPr>
+          <p:cNvPr id="3" name="Inhaltsplatzhalter 2"/>
           <p:cNvSpPr>
             <a:spLocks noGrp="1"/>
           </p:cNvSpPr>
@@ -4024,15 +4264,11 @@
               <a:rPr lang="de-DE" dirty="0"/>
               <a:t> Normals</a:t>
             </a:r>
+            <a:endParaRPr lang="de-DE" dirty="0"/>
           </a:p>
         </p:txBody>
       </p:sp>
     </p:spTree>
-    <p:extLst>
-      <p:ext uri="{BB962C8B-B14F-4D97-AF65-F5344CB8AC3E}">
-        <p14:creationId xmlns:p14="http://schemas.microsoft.com/office/powerpoint/2010/main" val="2941801096"/>
-      </p:ext>
-    </p:extLst>
   </p:cSld>
   <p:clrMapOvr>
     <a:masterClrMapping/>
@@ -4059,13 +4295,7 @@
       </p:grpSpPr>
       <p:sp>
         <p:nvSpPr>
-          <p:cNvPr id="2" name="Titel 1">
-            <a:extLst>
-              <a:ext uri="{FF2B5EF4-FFF2-40B4-BE49-F238E27FC236}">
-                <a16:creationId xmlns:a16="http://schemas.microsoft.com/office/drawing/2014/main" id="{58F29F37-F576-48D7-A284-FDC5010F3983}"/>
-              </a:ext>
-            </a:extLst>
-          </p:cNvPr>
+          <p:cNvPr id="2" name="Titel 1"/>
           <p:cNvSpPr>
             <a:spLocks noGrp="1"/>
           </p:cNvSpPr>
@@ -4086,18 +4316,13 @@
               <a:rPr lang="en-US" dirty="0"/>
               <a:t>History and Architecture</a:t>
             </a:r>
-          </a:p>
-        </p:txBody>
-      </p:sp>
-      <p:sp>
-        <p:nvSpPr>
-          <p:cNvPr id="3" name="Inhaltsplatzhalter 2">
-            <a:extLst>
-              <a:ext uri="{FF2B5EF4-FFF2-40B4-BE49-F238E27FC236}">
-                <a16:creationId xmlns:a16="http://schemas.microsoft.com/office/drawing/2014/main" id="{9CEAAB0E-5D5C-4129-936B-DFFA777604D2}"/>
-              </a:ext>
-            </a:extLst>
-          </p:cNvPr>
+            <a:endParaRPr lang="en-US" dirty="0"/>
+          </a:p>
+        </p:txBody>
+      </p:sp>
+      <p:sp>
+        <p:nvSpPr>
+          <p:cNvPr id="3" name="Inhaltsplatzhalter 2"/>
           <p:cNvSpPr>
             <a:spLocks noGrp="1"/>
           </p:cNvSpPr>
@@ -4147,11 +4372,6 @@
         </p:txBody>
       </p:sp>
     </p:spTree>
-    <p:extLst>
-      <p:ext uri="{BB962C8B-B14F-4D97-AF65-F5344CB8AC3E}">
-        <p14:creationId xmlns:p14="http://schemas.microsoft.com/office/powerpoint/2010/main" val="2544720649"/>
-      </p:ext>
-    </p:extLst>
   </p:cSld>
   <p:clrMapOvr>
     <a:masterClrMapping/>
@@ -4178,13 +4398,7 @@
       </p:grpSpPr>
       <p:sp>
         <p:nvSpPr>
-          <p:cNvPr id="2" name="Titel 1">
-            <a:extLst>
-              <a:ext uri="{FF2B5EF4-FFF2-40B4-BE49-F238E27FC236}">
-                <a16:creationId xmlns:a16="http://schemas.microsoft.com/office/drawing/2014/main" id="{58F29F37-F576-48D7-A284-FDC5010F3983}"/>
-              </a:ext>
-            </a:extLst>
-          </p:cNvPr>
+          <p:cNvPr id="2" name="Titel 1"/>
           <p:cNvSpPr>
             <a:spLocks noGrp="1"/>
           </p:cNvSpPr>
@@ -4211,13 +4425,7 @@
       </p:sp>
       <p:sp>
         <p:nvSpPr>
-          <p:cNvPr id="3" name="Inhaltsplatzhalter 2">
-            <a:extLst>
-              <a:ext uri="{FF2B5EF4-FFF2-40B4-BE49-F238E27FC236}">
-                <a16:creationId xmlns:a16="http://schemas.microsoft.com/office/drawing/2014/main" id="{9CEAAB0E-5D5C-4129-936B-DFFA777604D2}"/>
-              </a:ext>
-            </a:extLst>
-          </p:cNvPr>
+          <p:cNvPr id="3" name="Inhaltsplatzhalter 2"/>
           <p:cNvSpPr>
             <a:spLocks noGrp="1"/>
           </p:cNvSpPr>
@@ -4239,6 +4447,11 @@
               </a:rPr>
               <a:t>Helge</a:t>
             </a:r>
+            <a:endParaRPr lang="en-US" dirty="0">
+              <a:solidFill>
+                <a:srgbClr val="FF0000"/>
+              </a:solidFill>
+            </a:endParaRPr>
           </a:p>
           <a:p>
             <a:pPr marL="457200" indent="-457200">
@@ -4250,11 +4463,6 @@
         </p:txBody>
       </p:sp>
     </p:spTree>
-    <p:extLst>
-      <p:ext uri="{BB962C8B-B14F-4D97-AF65-F5344CB8AC3E}">
-        <p14:creationId xmlns:p14="http://schemas.microsoft.com/office/powerpoint/2010/main" val="1602724363"/>
-      </p:ext>
-    </p:extLst>
   </p:cSld>
   <p:clrMapOvr>
     <a:masterClrMapping/>
@@ -4281,13 +4489,7 @@
       </p:grpSpPr>
       <p:sp>
         <p:nvSpPr>
-          <p:cNvPr id="2" name="Titel 1">
-            <a:extLst>
-              <a:ext uri="{FF2B5EF4-FFF2-40B4-BE49-F238E27FC236}">
-                <a16:creationId xmlns:a16="http://schemas.microsoft.com/office/drawing/2014/main" id="{58F29F37-F576-48D7-A284-FDC5010F3983}"/>
-              </a:ext>
-            </a:extLst>
-          </p:cNvPr>
+          <p:cNvPr id="2" name="Titel 1"/>
           <p:cNvSpPr>
             <a:spLocks noGrp="1"/>
           </p:cNvSpPr>
@@ -4308,18 +4510,13 @@
               <a:rPr lang="en-US" dirty="0"/>
               <a:t>Results</a:t>
             </a:r>
-          </a:p>
-        </p:txBody>
-      </p:sp>
-      <p:sp>
-        <p:nvSpPr>
-          <p:cNvPr id="3" name="Inhaltsplatzhalter 2">
-            <a:extLst>
-              <a:ext uri="{FF2B5EF4-FFF2-40B4-BE49-F238E27FC236}">
-                <a16:creationId xmlns:a16="http://schemas.microsoft.com/office/drawing/2014/main" id="{9CEAAB0E-5D5C-4129-936B-DFFA777604D2}"/>
-              </a:ext>
-            </a:extLst>
-          </p:cNvPr>
+            <a:endParaRPr lang="en-US" dirty="0"/>
+          </a:p>
+        </p:txBody>
+      </p:sp>
+      <p:sp>
+        <p:nvSpPr>
+          <p:cNvPr id="3" name="Inhaltsplatzhalter 2"/>
           <p:cNvSpPr>
             <a:spLocks noGrp="1"/>
           </p:cNvSpPr>
@@ -4349,6 +4546,11 @@
               </a:rPr>
               <a:t> und Helge</a:t>
             </a:r>
+            <a:endParaRPr lang="en-US" dirty="0">
+              <a:solidFill>
+                <a:srgbClr val="FF0000"/>
+              </a:solidFill>
+            </a:endParaRPr>
           </a:p>
           <a:p>
             <a:pPr marL="457200" indent="-457200">
@@ -4360,11 +4562,6 @@
         </p:txBody>
       </p:sp>
     </p:spTree>
-    <p:extLst>
-      <p:ext uri="{BB962C8B-B14F-4D97-AF65-F5344CB8AC3E}">
-        <p14:creationId xmlns:p14="http://schemas.microsoft.com/office/powerpoint/2010/main" val="2354355038"/>
-      </p:ext>
-    </p:extLst>
   </p:cSld>
   <p:clrMapOvr>
     <a:masterClrMapping/>
@@ -4391,13 +4588,7 @@
       </p:grpSpPr>
       <p:sp>
         <p:nvSpPr>
-          <p:cNvPr id="2" name="Titel 1">
-            <a:extLst>
-              <a:ext uri="{FF2B5EF4-FFF2-40B4-BE49-F238E27FC236}">
-                <a16:creationId xmlns:a16="http://schemas.microsoft.com/office/drawing/2014/main" id="{58F29F37-F576-48D7-A284-FDC5010F3983}"/>
-              </a:ext>
-            </a:extLst>
-          </p:cNvPr>
+          <p:cNvPr id="2" name="Titel 1"/>
           <p:cNvSpPr>
             <a:spLocks noGrp="1"/>
           </p:cNvSpPr>
@@ -4418,18 +4609,20 @@
               <a:rPr lang="en-US" dirty="0"/>
               <a:t>Forecast and Approaches</a:t>
             </a:r>
-          </a:p>
-        </p:txBody>
-      </p:sp>
-      <p:sp>
-        <p:nvSpPr>
-          <p:cNvPr id="3" name="Inhaltsplatzhalter 2">
-            <a:extLst>
-              <a:ext uri="{FF2B5EF4-FFF2-40B4-BE49-F238E27FC236}">
-                <a16:creationId xmlns:a16="http://schemas.microsoft.com/office/drawing/2014/main" id="{9CEAAB0E-5D5C-4129-936B-DFFA777604D2}"/>
-              </a:ext>
-            </a:extLst>
-          </p:cNvPr>
+            <a:br>
+              <a:rPr lang="en-US" dirty="0"/>
+            </a:br>
+            <a:r>
+              <a:rPr lang="de-DE" altLang="en-US" dirty="0"/>
+              <a:t>Normals</a:t>
+            </a:r>
+            <a:endParaRPr lang="de-DE" altLang="en-US" dirty="0"/>
+          </a:p>
+        </p:txBody>
+      </p:sp>
+      <p:sp>
+        <p:nvSpPr>
+          <p:cNvPr id="3" name="Inhaltsplatzhalter 2"/>
           <p:cNvSpPr>
             <a:spLocks noGrp="1"/>
           </p:cNvSpPr>
@@ -4449,29 +4642,17 @@
                   <a:srgbClr val="FF0000"/>
                 </a:solidFill>
               </a:rPr>
-              <a:t>Felix </a:t>
-            </a:r>
-            <a:r>
-              <a:rPr lang="de-DE" dirty="0"/>
-              <a:t>and</a:t>
-            </a:r>
-            <a:r>
-              <a:rPr lang="de-DE" dirty="0">
-                <a:solidFill>
-                  <a:srgbClr val="FF0000"/>
-                </a:solidFill>
-              </a:rPr>
-              <a:t> Jan</a:t>
-            </a:r>
+              <a:t>Jan</a:t>
+            </a:r>
+            <a:endParaRPr lang="de-DE" dirty="0">
+              <a:solidFill>
+                <a:srgbClr val="FF0000"/>
+              </a:solidFill>
+            </a:endParaRPr>
           </a:p>
         </p:txBody>
       </p:sp>
     </p:spTree>
-    <p:extLst>
-      <p:ext uri="{BB962C8B-B14F-4D97-AF65-F5344CB8AC3E}">
-        <p14:creationId xmlns:p14="http://schemas.microsoft.com/office/powerpoint/2010/main" val="3254942594"/>
-      </p:ext>
-    </p:extLst>
   </p:cSld>
   <p:clrMapOvr>
     <a:masterClrMapping/>
@@ -4498,13 +4679,7 @@
       </p:grpSpPr>
       <p:sp>
         <p:nvSpPr>
-          <p:cNvPr id="2" name="Titel 1">
-            <a:extLst>
-              <a:ext uri="{FF2B5EF4-FFF2-40B4-BE49-F238E27FC236}">
-                <a16:creationId xmlns:a16="http://schemas.microsoft.com/office/drawing/2014/main" id="{58F29F37-F576-48D7-A284-FDC5010F3983}"/>
-              </a:ext>
-            </a:extLst>
-          </p:cNvPr>
+          <p:cNvPr id="2" name="Titel 1"/>
           <p:cNvSpPr>
             <a:spLocks noGrp="1"/>
           </p:cNvSpPr>
@@ -4519,24 +4694,26 @@
           <a:p>
             <a:pPr marL="457200" indent="-457200">
               <a:buFont typeface="+mj-lt"/>
-              <a:buAutoNum type="arabicPeriod" startAt="6"/>
+              <a:buAutoNum type="arabicPeriod" startAt="5"/>
             </a:pPr>
             <a:r>
               <a:rPr lang="en-US" dirty="0"/>
-              <a:t>Review</a:t>
-            </a:r>
-          </a:p>
-        </p:txBody>
-      </p:sp>
-      <p:sp>
-        <p:nvSpPr>
-          <p:cNvPr id="3" name="Inhaltsplatzhalter 2">
-            <a:extLst>
-              <a:ext uri="{FF2B5EF4-FFF2-40B4-BE49-F238E27FC236}">
-                <a16:creationId xmlns:a16="http://schemas.microsoft.com/office/drawing/2014/main" id="{9CEAAB0E-5D5C-4129-936B-DFFA777604D2}"/>
-              </a:ext>
-            </a:extLst>
-          </p:cNvPr>
+              <a:t>Forecast and Approaches</a:t>
+            </a:r>
+            <a:br>
+              <a:rPr lang="en-US" dirty="0"/>
+            </a:br>
+            <a:r>
+              <a:rPr lang="de-DE" altLang="en-US" dirty="0"/>
+              <a:t>Implementation of Superpixels in Net</a:t>
+            </a:r>
+            <a:endParaRPr lang="de-DE" altLang="en-US" dirty="0"/>
+          </a:p>
+        </p:txBody>
+      </p:sp>
+      <p:sp>
+        <p:nvSpPr>
+          <p:cNvPr id="3" name="Inhaltsplatzhalter 2"/>
           <p:cNvSpPr>
             <a:spLocks noGrp="1"/>
           </p:cNvSpPr>
@@ -4546,8 +4723,8 @@
         </p:nvSpPr>
         <p:spPr>
           <a:xfrm>
-            <a:off x="360000" y="1620000"/>
-            <a:ext cx="8532480" cy="4479943"/>
+            <a:off x="360045" y="1619885"/>
+            <a:ext cx="8366760" cy="4479925"/>
           </a:xfrm>
         </p:spPr>
         <p:txBody>
@@ -4556,179 +4733,240 @@
           <a:p>
             <a:pPr marL="0" indent="0"/>
             <a:r>
-              <a:rPr lang="de-DE" dirty="0">
-                <a:solidFill>
-                  <a:srgbClr val="FF0000"/>
-                </a:solidFill>
+              <a:rPr lang="de-DE" altLang="en-US" dirty="0">
+                <a:sym typeface="+mn-ea"/>
               </a:rPr>
-              <a:t>Whole Group: </a:t>
-            </a:r>
-            <a:r>
-              <a:rPr lang="de-DE" dirty="0" err="1">
-                <a:solidFill>
-                  <a:srgbClr val="FF0000"/>
-                </a:solidFill>
-              </a:rPr>
-              <a:t>Comparison</a:t>
-            </a:r>
-            <a:r>
-              <a:rPr lang="de-DE" dirty="0">
-                <a:solidFill>
-                  <a:srgbClr val="FF0000"/>
-                </a:solidFill>
-              </a:rPr>
-              <a:t> </a:t>
-            </a:r>
-            <a:r>
-              <a:rPr lang="de-DE" dirty="0" err="1">
-                <a:solidFill>
-                  <a:srgbClr val="FF0000"/>
-                </a:solidFill>
-              </a:rPr>
-              <a:t>between</a:t>
-            </a:r>
-            <a:r>
-              <a:rPr lang="de-DE" dirty="0">
-                <a:solidFill>
-                  <a:srgbClr val="FF0000"/>
-                </a:solidFill>
-              </a:rPr>
-              <a:t> </a:t>
-            </a:r>
-            <a:r>
-              <a:rPr lang="de-DE" dirty="0" err="1">
-                <a:solidFill>
-                  <a:srgbClr val="FF0000"/>
-                </a:solidFill>
-              </a:rPr>
-              <a:t>whats</a:t>
-            </a:r>
-            <a:r>
-              <a:rPr lang="de-DE" dirty="0">
-                <a:solidFill>
-                  <a:srgbClr val="FF0000"/>
-                </a:solidFill>
-              </a:rPr>
-              <a:t> </a:t>
-            </a:r>
-            <a:r>
-              <a:rPr lang="de-DE" dirty="0" err="1">
-                <a:solidFill>
-                  <a:srgbClr val="FF0000"/>
-                </a:solidFill>
-              </a:rPr>
-              <a:t>our</a:t>
-            </a:r>
-            <a:r>
-              <a:rPr lang="de-DE" dirty="0">
-                <a:solidFill>
-                  <a:srgbClr val="FF0000"/>
-                </a:solidFill>
-              </a:rPr>
-              <a:t> </a:t>
-            </a:r>
-            <a:r>
-              <a:rPr lang="de-DE" dirty="0" err="1">
-                <a:solidFill>
-                  <a:srgbClr val="FF0000"/>
-                </a:solidFill>
-              </a:rPr>
-              <a:t>state</a:t>
-            </a:r>
-            <a:r>
-              <a:rPr lang="de-DE" dirty="0">
-                <a:solidFill>
-                  <a:srgbClr val="FF0000"/>
-                </a:solidFill>
-              </a:rPr>
-              <a:t> </a:t>
-            </a:r>
-            <a:r>
-              <a:rPr lang="de-DE" dirty="0" err="1">
-                <a:solidFill>
-                  <a:srgbClr val="FF0000"/>
-                </a:solidFill>
-              </a:rPr>
-              <a:t>what</a:t>
-            </a:r>
-            <a:r>
-              <a:rPr lang="de-DE" dirty="0">
-                <a:solidFill>
-                  <a:srgbClr val="FF0000"/>
-                </a:solidFill>
-              </a:rPr>
-              <a:t> do </a:t>
-            </a:r>
-            <a:r>
-              <a:rPr lang="de-DE" dirty="0" err="1">
-                <a:solidFill>
-                  <a:srgbClr val="FF0000"/>
-                </a:solidFill>
-              </a:rPr>
-              <a:t>we</a:t>
-            </a:r>
-            <a:r>
-              <a:rPr lang="de-DE" dirty="0">
-                <a:solidFill>
-                  <a:srgbClr val="FF0000"/>
-                </a:solidFill>
-              </a:rPr>
-              <a:t> </a:t>
-            </a:r>
-            <a:r>
-              <a:rPr lang="de-DE" dirty="0" err="1">
-                <a:solidFill>
-                  <a:srgbClr val="FF0000"/>
-                </a:solidFill>
-              </a:rPr>
-              <a:t>want</a:t>
-            </a:r>
-            <a:r>
-              <a:rPr lang="de-DE" dirty="0">
-                <a:solidFill>
-                  <a:srgbClr val="FF0000"/>
-                </a:solidFill>
-              </a:rPr>
-              <a:t> </a:t>
-            </a:r>
-            <a:r>
-              <a:rPr lang="de-DE" dirty="0" err="1">
-                <a:solidFill>
-                  <a:srgbClr val="FF0000"/>
-                </a:solidFill>
-              </a:rPr>
-              <a:t>to</a:t>
-            </a:r>
-            <a:r>
-              <a:rPr lang="de-DE" dirty="0">
-                <a:solidFill>
-                  <a:srgbClr val="FF0000"/>
-                </a:solidFill>
-              </a:rPr>
-              <a:t> </a:t>
-            </a:r>
-            <a:r>
-              <a:rPr lang="de-DE" dirty="0" err="1">
-                <a:solidFill>
-                  <a:srgbClr val="FF0000"/>
-                </a:solidFill>
-              </a:rPr>
-              <a:t>achieve</a:t>
-            </a:r>
-            <a:endParaRPr lang="de-DE" dirty="0">
+              <a:t>Possibilites of implementation of Superpixels inside the net</a:t>
+            </a:r>
+            <a:endParaRPr lang="de-DE" altLang="en-US" dirty="0">
               <a:solidFill>
                 <a:srgbClr val="FF0000"/>
               </a:solidFill>
+              <a:sym typeface="+mn-ea"/>
             </a:endParaRPr>
           </a:p>
+          <a:p>
+            <a:pPr marL="342900" indent="-342900">
+              <a:buFont typeface="Arial" panose="020B0604020202090204" pitchFamily="34" charset="0"/>
+              <a:buChar char="•"/>
+            </a:pPr>
+            <a:r>
+              <a:rPr lang="de-DE" altLang="en-US" dirty="0">
+                <a:solidFill>
+                  <a:schemeClr val="tx1"/>
+                </a:solidFill>
+                <a:sym typeface="+mn-ea"/>
+              </a:rPr>
+              <a:t>As Input into Net:</a:t>
+            </a:r>
+            <a:endParaRPr lang="de-DE" altLang="en-US" dirty="0">
+              <a:solidFill>
+                <a:schemeClr val="tx1"/>
+              </a:solidFill>
+              <a:sym typeface="+mn-ea"/>
+            </a:endParaRPr>
+          </a:p>
+          <a:p>
+            <a:pPr marL="800100" lvl="1" indent="-342900">
+              <a:buFont typeface="Arial" panose="020B0604020202090204" pitchFamily="34" charset="0"/>
+              <a:buChar char="•"/>
+            </a:pPr>
+            <a:r>
+              <a:rPr lang="de-DE" altLang="en-US" dirty="0">
+                <a:solidFill>
+                  <a:schemeClr val="tx1"/>
+                </a:solidFill>
+                <a:sym typeface="+mn-ea"/>
+              </a:rPr>
+              <a:t>in the Encoder as a Segmentation File (1 dim)</a:t>
+            </a:r>
+            <a:endParaRPr lang="de-DE" altLang="en-US" dirty="0">
+              <a:solidFill>
+                <a:schemeClr val="tx1"/>
+              </a:solidFill>
+              <a:sym typeface="+mn-ea"/>
+            </a:endParaRPr>
+          </a:p>
+          <a:p>
+            <a:pPr marL="800100" lvl="1" indent="-342900">
+              <a:buFont typeface="Arial" panose="020B0604020202090204" pitchFamily="34" charset="0"/>
+              <a:buChar char="•"/>
+            </a:pPr>
+            <a:r>
+              <a:rPr lang="de-DE" altLang="en-US" dirty="0">
+                <a:solidFill>
+                  <a:schemeClr val="tx1"/>
+                </a:solidFill>
+                <a:sym typeface="+mn-ea"/>
+              </a:rPr>
+              <a:t>in the Encoder as a 3 Dim Image (colored Segmentation)</a:t>
+            </a:r>
+            <a:endParaRPr lang="de-DE" altLang="en-US" dirty="0">
+              <a:solidFill>
+                <a:schemeClr val="tx1"/>
+              </a:solidFill>
+              <a:sym typeface="+mn-ea"/>
+            </a:endParaRPr>
+          </a:p>
+          <a:p>
+            <a:pPr marL="800100" lvl="1" indent="-342900">
+              <a:buFont typeface="Arial" panose="020B0604020202090204" pitchFamily="34" charset="0"/>
+              <a:buChar char="•"/>
+            </a:pPr>
+            <a:r>
+              <a:rPr lang="de-DE" altLang="en-US" dirty="0">
+                <a:solidFill>
+                  <a:schemeClr val="tx1"/>
+                </a:solidFill>
+                <a:sym typeface="+mn-ea"/>
+              </a:rPr>
+              <a:t>in the Encoder as a 3 Dim Image (via edges)</a:t>
+            </a:r>
+            <a:endParaRPr lang="de-DE" altLang="en-US" dirty="0">
+              <a:solidFill>
+                <a:schemeClr val="tx1"/>
+              </a:solidFill>
+              <a:sym typeface="+mn-ea"/>
+            </a:endParaRPr>
+          </a:p>
+          <a:p>
+            <a:pPr marL="342900" lvl="0" indent="-342900">
+              <a:buFont typeface="Arial" panose="020B0604020202090204" pitchFamily="34" charset="0"/>
+              <a:buChar char="•"/>
+            </a:pPr>
+            <a:r>
+              <a:rPr lang="de-DE" altLang="en-US" dirty="0">
+                <a:solidFill>
+                  <a:schemeClr val="tx1"/>
+                </a:solidFill>
+                <a:sym typeface="+mn-ea"/>
+              </a:rPr>
+              <a:t>As seperate Path in Net</a:t>
+            </a:r>
+            <a:endParaRPr lang="de-DE" altLang="en-US" dirty="0">
+              <a:solidFill>
+                <a:schemeClr val="tx1"/>
+              </a:solidFill>
+              <a:sym typeface="+mn-ea"/>
+            </a:endParaRPr>
+          </a:p>
+          <a:p>
+            <a:pPr marL="342900" lvl="0" indent="-342900">
+              <a:buFont typeface="Arial" panose="020B0604020202090204" pitchFamily="34" charset="0"/>
+              <a:buChar char="•"/>
+            </a:pPr>
+            <a:r>
+              <a:rPr lang="de-DE" altLang="en-US" dirty="0">
+                <a:solidFill>
+                  <a:schemeClr val="tx1"/>
+                </a:solidFill>
+                <a:sym typeface="+mn-ea"/>
+              </a:rPr>
+              <a:t>As its own module as a building block of the net inspired by [1]</a:t>
+            </a:r>
+            <a:endParaRPr lang="de-DE" altLang="en-US" dirty="0">
+              <a:solidFill>
+                <a:schemeClr val="tx1"/>
+              </a:solidFill>
+              <a:sym typeface="+mn-ea"/>
+            </a:endParaRPr>
+          </a:p>
         </p:txBody>
       </p:sp>
     </p:spTree>
-    <p:extLst>
-      <p:ext uri="{BB962C8B-B14F-4D97-AF65-F5344CB8AC3E}">
-        <p14:creationId xmlns:p14="http://schemas.microsoft.com/office/powerpoint/2010/main" val="1978807905"/>
-      </p:ext>
-    </p:extLst>
+  </p:cSld>
+  <p:clrMapOvr>
+    <a:masterClrMapping/>
+  </p:clrMapOvr>
+</p:sld>
+</file>
+
+<file path=ppt/slides/slide9.xml><?xml version="1.0" encoding="utf-8"?>
+<p:sld xmlns:a="http://schemas.openxmlformats.org/drawingml/2006/main" xmlns:r="http://schemas.openxmlformats.org/officeDocument/2006/relationships" xmlns:p="http://schemas.openxmlformats.org/presentationml/2006/main">
+  <p:cSld>
+    <p:spTree>
+      <p:nvGrpSpPr>
+        <p:cNvPr id="1" name=""/>
+        <p:cNvGrpSpPr/>
+        <p:nvPr/>
+      </p:nvGrpSpPr>
+      <p:grpSpPr>
+        <a:xfrm>
+          <a:off x="0" y="0"/>
+          <a:ext cx="0" cy="0"/>
+          <a:chOff x="0" y="0"/>
+          <a:chExt cx="0" cy="0"/>
+        </a:xfrm>
+      </p:grpSpPr>
+      <p:sp>
+        <p:nvSpPr>
+          <p:cNvPr id="2" name="Titel 1"/>
+          <p:cNvSpPr>
+            <a:spLocks noGrp="1"/>
+          </p:cNvSpPr>
+          <p:nvPr>
+            <p:ph type="title"/>
+          </p:nvPr>
+        </p:nvSpPr>
+        <p:spPr/>
+        <p:txBody>
+          <a:bodyPr/>
+          <a:lstStyle/>
+          <a:p>
+            <a:pPr marL="457200" indent="-457200">
+              <a:buFont typeface="+mj-lt"/>
+              <a:buAutoNum type="arabicPeriod" startAt="5"/>
+            </a:pPr>
+            <a:r>
+              <a:rPr lang="en-US" dirty="0"/>
+              <a:t>Forecast and Approaches</a:t>
+            </a:r>
+            <a:br>
+              <a:rPr lang="en-US" dirty="0"/>
+            </a:br>
+            <a:r>
+              <a:rPr lang="en-US" dirty="0"/>
+              <a:t>S</a:t>
+            </a:r>
+            <a:r>
+              <a:rPr lang="de-DE" altLang="en-US" dirty="0"/>
+              <a:t>cribble of possible SuperPixelPooling</a:t>
+            </a:r>
+            <a:endParaRPr lang="de-DE" altLang="en-US" dirty="0"/>
+          </a:p>
+        </p:txBody>
+      </p:sp>
+      <p:sp>
+        <p:nvSpPr>
+          <p:cNvPr id="3" name="Inhaltsplatzhalter 2"/>
+          <p:cNvSpPr>
+            <a:spLocks noGrp="1"/>
+          </p:cNvSpPr>
+          <p:nvPr>
+            <p:ph idx="1"/>
+          </p:nvPr>
+        </p:nvSpPr>
+        <p:spPr>
+          <a:xfrm>
+            <a:off x="360045" y="1619885"/>
+            <a:ext cx="8366760" cy="4479925"/>
+          </a:xfrm>
+        </p:spPr>
+        <p:txBody>
+          <a:bodyPr/>
+          <a:lstStyle/>
+          <a:p>
+            <a:pPr marL="0" indent="0"/>
+            <a:endParaRPr lang="de-DE" altLang="en-US" dirty="0">
+              <a:solidFill>
+                <a:schemeClr val="tx1"/>
+              </a:solidFill>
+              <a:sym typeface="+mn-ea"/>
+            </a:endParaRPr>
+          </a:p>
+        </p:txBody>
+      </p:sp>
+    </p:spTree>
   </p:cSld>
   <p:clrMapOvr>
     <a:masterClrMapping/>
@@ -4956,7 +5194,6 @@
       </a:bgFillStyleLst>
     </a:fmtScheme>
   </a:themeElements>
-  <a:objectDefaults/>
   <a:extraClrSchemeLst>
     <a:extraClrScheme>
       <a:clrScheme name="v1_TUD_Präsentation_rot 1">
@@ -5737,8 +5974,6 @@
       </a:bgFillStyleLst>
     </a:fmtScheme>
   </a:themeElements>
-  <a:objectDefaults/>
-  <a:extraClrSchemeLst/>
   <a:extLst>
     <a:ext uri="{05A4C25C-085E-4340-85A3-A5531E510DB2}">
       <thm15:themeFamily xmlns:thm15="http://schemas.microsoft.com/office/thememl/2012/main" name="Office Theme" id="{62F939B6-93AF-4DB8-9C6B-D6C7DFDC589F}" vid="{4A3C46E8-61CC-4603-A589-7422A47A8E4A}"/>
@@ -6025,8 +6260,6 @@
       </a:bgFillStyleLst>
     </a:fmtScheme>
   </a:themeElements>
-  <a:objectDefaults/>
-  <a:extraClrSchemeLst/>
   <a:extLst>
     <a:ext uri="{05A4C25C-085E-4340-85A3-A5531E510DB2}">
       <thm15:themeFamily xmlns:thm15="http://schemas.microsoft.com/office/thememl/2012/main" name="Office Theme" id="{62F939B6-93AF-4DB8-9C6B-D6C7DFDC589F}" vid="{4A3C46E8-61CC-4603-A589-7422A47A8E4A}"/>

--- a/meetings/2019_12_12_midterm/midterm_felix.pptx
+++ b/meetings/2019_12_12_midterm/midterm_felix.pptx
@@ -3754,6 +3754,38 @@
           </a:p>
         </p:txBody>
       </p:sp>
+      <p:pic>
+        <p:nvPicPr>
+          <p:cNvPr id="7" name="Content Placeholder 3"/>
+          <p:cNvPicPr>
+            <a:picLocks noChangeAspect="1"/>
+          </p:cNvPicPr>
+          <p:nvPr/>
+        </p:nvPicPr>
+        <p:blipFill>
+          <a:blip r:embed="rId1"/>
+          <a:stretch>
+            <a:fillRect/>
+          </a:stretch>
+        </p:blipFill>
+        <p:spPr>
+          <a:xfrm>
+            <a:off x="225425" y="3030855"/>
+            <a:ext cx="4284980" cy="2927985"/>
+          </a:xfrm>
+          <a:prstGeom prst="rect">
+            <a:avLst/>
+          </a:prstGeom>
+          <a:noFill/>
+          <a:ln w="9525">
+            <a:noFill/>
+            <a:miter lim="800000"/>
+            <a:headEnd/>
+            <a:tailEnd/>
+          </a:ln>
+          <a:effectLst/>
+        </p:spPr>
+      </p:pic>
     </p:spTree>
   </p:cSld>
   <p:clrMapOvr>
@@ -4863,6 +4895,27 @@
                 <a:sym typeface="+mn-ea"/>
               </a:rPr>
               <a:t>As its own module as a building block of the net inspired by [1]</a:t>
+            </a:r>
+            <a:endParaRPr lang="de-DE" altLang="en-US" dirty="0">
+              <a:solidFill>
+                <a:schemeClr val="tx1"/>
+              </a:solidFill>
+              <a:sym typeface="+mn-ea"/>
+            </a:endParaRPr>
+          </a:p>
+          <a:p>
+            <a:pPr marL="342900" lvl="0" indent="-342900">
+              <a:buFont typeface="Arial" panose="020B0604020202090204" pitchFamily="34" charset="0"/>
+              <a:buChar char="•"/>
+            </a:pPr>
+            <a:r>
+              <a:rPr lang="de-DE" altLang="en-US" dirty="0">
+                <a:solidFill>
+                  <a:schemeClr val="tx1"/>
+                </a:solidFill>
+                <a:sym typeface="+mn-ea"/>
+              </a:rPr>
+              <a:t>In the Loss Function</a:t>
             </a:r>
             <a:endParaRPr lang="de-DE" altLang="en-US" dirty="0">
               <a:solidFill>
